--- a/Week5/Week_5.pptx
+++ b/Week5/Week_5.pptx
@@ -211,7 +211,7 @@
           <a:p>
             <a:fld id="{95C4CF2D-6872-4730-8D02-61A93A3F5357}" type="datetimeFigureOut">
               <a:rPr lang="en-GB" smtClean="0"/>
-              <a:t>18/01/2024</a:t>
+              <a:t>07/02/2024</a:t>
             </a:fld>
             <a:endParaRPr lang="en-GB"/>
           </a:p>
@@ -2411,7 +2411,7 @@
                 <a:ea typeface="Calibri" panose="020F0502020204030204" pitchFamily="34" charset="0"/>
                 <a:cs typeface="Times New Roman" panose="02020603050405020304" pitchFamily="18" charset="0"/>
               </a:rPr>
-              <a:t>Session 8: Correlations and t-tests.</a:t>
+              <a:t>Session 8: Correlations and t-tests</a:t>
             </a:r>
           </a:p>
           <a:p>
@@ -2583,23 +2583,6 @@
                 </a:solidFill>
               </a:rPr>
               <a:t>2. Live Data Wrangling Walkthrough</a:t>
-            </a:r>
-          </a:p>
-          <a:p>
-            <a:endParaRPr lang="en-GB" dirty="0">
-              <a:solidFill>
-                <a:schemeClr val="tx1"/>
-              </a:solidFill>
-            </a:endParaRPr>
-          </a:p>
-          <a:p>
-            <a:r>
-              <a:rPr lang="en-GB" dirty="0">
-                <a:solidFill>
-                  <a:schemeClr val="tx1"/>
-                </a:solidFill>
-              </a:rPr>
-              <a:t>3. ???</a:t>
             </a:r>
           </a:p>
         </p:txBody>
